--- a/정규형.pptx
+++ b/정규형.pptx
@@ -4552,7 +4552,12 @@
             <p:ph idx="1"/>
           </p:nvPr>
         </p:nvSpPr>
-        <p:spPr/>
+        <p:spPr>
+          <a:xfrm>
+            <a:off x="609601" y="5710460"/>
+            <a:ext cx="10972798" cy="683070"/>
+          </a:xfrm>
+        </p:spPr>
         <p:txBody>
           <a:bodyPr/>
           <a:lstStyle/>
@@ -4561,65 +4566,1086 @@
               <a:defRPr/>
             </a:pPr>
             <a:r>
-              <a:rPr lang="ko-KR" altLang="en-US"/>
+              <a:rPr lang="ko-KR" altLang="en-US" sz="2000"/>
               <a:t>회원</a:t>
             </a:r>
             <a:r>
-              <a:rPr lang="en-US" altLang="ko-KR"/>
+              <a:rPr lang="en-US" altLang="ko-KR" sz="2000"/>
               <a:t>,</a:t>
             </a:r>
             <a:r>
-              <a:rPr lang="ko-KR" altLang="en-US"/>
+              <a:rPr lang="ko-KR" altLang="en-US" sz="2000"/>
               <a:t> 후기</a:t>
             </a:r>
             <a:r>
-              <a:rPr lang="en-US" altLang="ko-KR"/>
+              <a:rPr lang="en-US" altLang="ko-KR" sz="2000"/>
               <a:t>,</a:t>
             </a:r>
             <a:r>
-              <a:rPr lang="ko-KR" altLang="en-US"/>
+              <a:rPr lang="ko-KR" altLang="en-US" sz="2000"/>
               <a:t> 의류 상품 릴레이션은 모두 제</a:t>
             </a:r>
             <a:r>
-              <a:rPr lang="en-US" altLang="ko-KR"/>
+              <a:rPr lang="en-US" altLang="ko-KR" sz="2000"/>
               <a:t>1</a:t>
             </a:r>
             <a:r>
-              <a:rPr lang="ko-KR" altLang="en-US"/>
+              <a:rPr lang="ko-KR" altLang="en-US" sz="2000"/>
               <a:t>정규형에 속하며</a:t>
             </a:r>
             <a:r>
-              <a:rPr lang="en-US" altLang="ko-KR"/>
+              <a:rPr lang="en-US" altLang="ko-KR" sz="2000"/>
               <a:t>,</a:t>
             </a:r>
             <a:r>
-              <a:rPr lang="ko-KR" altLang="en-US"/>
+              <a:rPr lang="ko-KR" altLang="en-US" sz="2000"/>
               <a:t> 기본키가 아닌 모든 속성이 기본키에 완전 함수 종속되면서  제</a:t>
             </a:r>
             <a:r>
-              <a:rPr lang="en-US" altLang="ko-KR"/>
+              <a:rPr lang="en-US" altLang="ko-KR" sz="2000"/>
               <a:t>2</a:t>
             </a:r>
             <a:r>
-              <a:rPr lang="ko-KR" altLang="en-US"/>
+              <a:rPr lang="ko-KR" altLang="en-US" sz="2000"/>
               <a:t>정규형에 속하므로 모든 릴레이션이 제</a:t>
             </a:r>
             <a:r>
-              <a:rPr lang="en-US" altLang="ko-KR"/>
+              <a:rPr lang="en-US" altLang="ko-KR" sz="2000"/>
               <a:t>2</a:t>
             </a:r>
             <a:r>
-              <a:rPr lang="ko-KR" altLang="en-US"/>
+              <a:rPr lang="ko-KR" altLang="en-US" sz="2000"/>
               <a:t>정규형에 속한다</a:t>
             </a:r>
             <a:r>
-              <a:rPr lang="en-US" altLang="ko-KR"/>
+              <a:rPr lang="en-US" altLang="ko-KR" sz="2000"/>
               <a:t>.</a:t>
             </a:r>
-            <a:endParaRPr lang="en-US" altLang="ko-KR"/>
-          </a:p>
-        </p:txBody>
-      </p:sp>
+            <a:endParaRPr lang="en-US" altLang="ko-KR" sz="2000"/>
+          </a:p>
+        </p:txBody>
+      </p:sp>
+      <p:graphicFrame>
+        <p:nvGraphicFramePr>
+          <p:cNvPr id="5" name=""/>
+          <p:cNvGraphicFramePr/>
+          <p:nvPr/>
+        </p:nvGraphicFramePr>
+        <p:xfrm>
+          <a:off x="609603" y="1417638"/>
+          <a:ext cx="10972794" cy="1483360"/>
+        </p:xfrm>
+        <a:graphic>
+          <a:graphicData uri="http://schemas.openxmlformats.org/drawingml/2006/table">
+            <a:tbl>
+              <a:tblPr firstRow="1" bandRow="1">
+                <a:tableStyleId>{58739C0C-AB16-40ED-8C5A-176A687DF9E4}</a:tableStyleId>
+              </a:tblPr>
+              <a:tblGrid>
+                <a:gridCol w="1828799"/>
+                <a:gridCol w="1828799"/>
+                <a:gridCol w="1828799"/>
+                <a:gridCol w="1828799"/>
+                <a:gridCol w="1828799"/>
+                <a:gridCol w="1828799"/>
+              </a:tblGrid>
+              <a:tr h="370840">
+                <a:tc>
+                  <a:txBody>
+                    <a:bodyPr vert="horz" wrap="square" lIns="91440" tIns="45720" rIns="91440" bIns="45720" anchor="t" anchorCtr="0">
+                      <a:spAutoFit/>
+                    </a:bodyPr>
+                    <a:p>
+                      <a:pPr algn="ctr">
+                        <a:defRPr/>
+                      </a:pPr>
+                      <a:r>
+                        <a:rPr lang="ko-KR" altLang="en-US" u="sng"/>
+                        <a:t>아이디</a:t>
+                      </a:r>
+                      <a:endParaRPr lang="ko-KR" altLang="en-US" u="sng"/>
+                    </a:p>
+                  </a:txBody>
+                  <a:tcPr marL="91440" marR="91440"/>
+                </a:tc>
+                <a:tc>
+                  <a:txBody>
+                    <a:bodyPr vert="horz" wrap="square" lIns="91440" tIns="45720" rIns="91440" bIns="45720" anchor="t" anchorCtr="0">
+                      <a:spAutoFit/>
+                    </a:bodyPr>
+                    <a:p>
+                      <a:pPr algn="ctr">
+                        <a:defRPr/>
+                      </a:pPr>
+                      <a:r>
+                        <a:rPr lang="ko-KR" altLang="en-US"/>
+                        <a:t>이름 </a:t>
+                      </a:r>
+                      <a:endParaRPr lang="ko-KR" altLang="en-US"/>
+                    </a:p>
+                  </a:txBody>
+                  <a:tcPr marL="91440" marR="91440"/>
+                </a:tc>
+                <a:tc>
+                  <a:txBody>
+                    <a:bodyPr vert="horz" wrap="square" lIns="91440" tIns="45720" rIns="91440" bIns="45720" anchor="t" anchorCtr="0">
+                      <a:spAutoFit/>
+                    </a:bodyPr>
+                    <a:p>
+                      <a:pPr algn="ctr">
+                        <a:defRPr/>
+                      </a:pPr>
+                      <a:r>
+                        <a:rPr lang="ko-KR" altLang="en-US"/>
+                        <a:t>비밀번호</a:t>
+                      </a:r>
+                      <a:endParaRPr lang="ko-KR" altLang="en-US"/>
+                    </a:p>
+                  </a:txBody>
+                  <a:tcPr marL="91440" marR="91440"/>
+                </a:tc>
+                <a:tc>
+                  <a:txBody>
+                    <a:bodyPr vert="horz" wrap="square" lIns="91440" tIns="45720" rIns="91440" bIns="45720" anchor="t" anchorCtr="0">
+                      <a:spAutoFit/>
+                    </a:bodyPr>
+                    <a:p>
+                      <a:pPr algn="ctr">
+                        <a:defRPr/>
+                      </a:pPr>
+                      <a:r>
+                        <a:rPr lang="ko-KR" altLang="en-US"/>
+                        <a:t>지역</a:t>
+                      </a:r>
+                      <a:endParaRPr lang="ko-KR" altLang="en-US"/>
+                    </a:p>
+                  </a:txBody>
+                  <a:tcPr marL="91440" marR="91440"/>
+                </a:tc>
+                <a:tc>
+                  <a:txBody>
+                    <a:bodyPr vert="horz" wrap="square" lIns="91440" tIns="45720" rIns="91440" bIns="45720" anchor="t" anchorCtr="0">
+                      <a:spAutoFit/>
+                    </a:bodyPr>
+                    <a:p>
+                      <a:pPr algn="ctr">
+                        <a:defRPr/>
+                      </a:pPr>
+                      <a:r>
+                        <a:rPr lang="ko-KR" altLang="en-US"/>
+                        <a:t>등급</a:t>
+                      </a:r>
+                      <a:endParaRPr lang="ko-KR" altLang="en-US"/>
+                    </a:p>
+                  </a:txBody>
+                  <a:tcPr marL="91440" marR="91440"/>
+                </a:tc>
+                <a:tc>
+                  <a:txBody>
+                    <a:bodyPr vert="horz" wrap="square" lIns="91440" tIns="45720" rIns="91440" bIns="45720" anchor="t" anchorCtr="0">
+                      <a:spAutoFit/>
+                    </a:bodyPr>
+                    <a:p>
+                      <a:pPr algn="ctr">
+                        <a:defRPr/>
+                      </a:pPr>
+                      <a:r>
+                        <a:rPr lang="ko-KR" altLang="en-US"/>
+                        <a:t>적립금</a:t>
+                      </a:r>
+                      <a:endParaRPr lang="ko-KR" altLang="en-US"/>
+                    </a:p>
+                  </a:txBody>
+                  <a:tcPr marL="91440" marR="91440"/>
+                </a:tc>
+              </a:tr>
+              <a:tr h="370840">
+                <a:tc>
+                  <a:txBody>
+                    <a:bodyPr vert="horz" wrap="square" lIns="91440" tIns="45720" rIns="91440" bIns="45720" anchor="t" anchorCtr="0">
+                      <a:spAutoFit/>
+                    </a:bodyPr>
+                    <a:p>
+                      <a:pPr>
+                        <a:defRPr/>
+                      </a:pPr>
+                      <a:r>
+                        <a:rPr lang="en-US" altLang="ko-KR"/>
+                        <a:t>jinwoo</a:t>
+                      </a:r>
+                      <a:endParaRPr lang="en-US" altLang="ko-KR"/>
+                    </a:p>
+                  </a:txBody>
+                  <a:tcPr marL="91440" marR="91440"/>
+                </a:tc>
+                <a:tc>
+                  <a:txBody>
+                    <a:bodyPr vert="horz" wrap="square" lIns="91440" tIns="45720" rIns="91440" bIns="45720" anchor="t" anchorCtr="0">
+                      <a:spAutoFit/>
+                    </a:bodyPr>
+                    <a:p>
+                      <a:pPr>
+                        <a:defRPr/>
+                      </a:pPr>
+                      <a:r>
+                        <a:rPr lang="ko-KR" altLang="en-US"/>
+                        <a:t>황진우</a:t>
+                      </a:r>
+                      <a:endParaRPr lang="ko-KR" altLang="en-US"/>
+                    </a:p>
+                  </a:txBody>
+                  <a:tcPr marL="91440" marR="91440"/>
+                </a:tc>
+                <a:tc>
+                  <a:txBody>
+                    <a:bodyPr vert="horz" wrap="square" lIns="91440" tIns="45720" rIns="91440" bIns="45720" anchor="t" anchorCtr="0">
+                      <a:spAutoFit/>
+                    </a:bodyPr>
+                    <a:p>
+                      <a:pPr>
+                        <a:defRPr/>
+                      </a:pPr>
+                      <a:r>
+                        <a:rPr lang="en-US" altLang="ko-KR"/>
+                        <a:t>1234</a:t>
+                      </a:r>
+                      <a:endParaRPr lang="en-US" altLang="ko-KR"/>
+                    </a:p>
+                  </a:txBody>
+                  <a:tcPr marL="91440" marR="91440"/>
+                </a:tc>
+                <a:tc>
+                  <a:txBody>
+                    <a:bodyPr vert="horz" wrap="square" lIns="91440" tIns="45720" rIns="91440" bIns="45720" anchor="t" anchorCtr="0">
+                      <a:spAutoFit/>
+                    </a:bodyPr>
+                    <a:p>
+                      <a:pPr>
+                        <a:defRPr/>
+                      </a:pPr>
+                      <a:r>
+                        <a:rPr lang="ko-KR" altLang="en-US"/>
+                        <a:t>경기도 시흥</a:t>
+                      </a:r>
+                      <a:endParaRPr lang="ko-KR" altLang="en-US"/>
+                    </a:p>
+                  </a:txBody>
+                  <a:tcPr marL="91440" marR="91440"/>
+                </a:tc>
+                <a:tc>
+                  <a:txBody>
+                    <a:bodyPr vert="horz" wrap="square" lIns="91440" tIns="45720" rIns="91440" bIns="45720" anchor="t" anchorCtr="0">
+                      <a:spAutoFit/>
+                    </a:bodyPr>
+                    <a:p>
+                      <a:pPr>
+                        <a:defRPr/>
+                      </a:pPr>
+                      <a:r>
+                        <a:rPr lang="en-US" altLang="ko-KR"/>
+                        <a:t>vip</a:t>
+                      </a:r>
+                      <a:endParaRPr lang="en-US" altLang="ko-KR"/>
+                    </a:p>
+                  </a:txBody>
+                  <a:tcPr marL="91440" marR="91440"/>
+                </a:tc>
+                <a:tc>
+                  <a:txBody>
+                    <a:bodyPr vert="horz" wrap="square" lIns="91440" tIns="45720" rIns="91440" bIns="45720" anchor="t" anchorCtr="0">
+                      <a:spAutoFit/>
+                    </a:bodyPr>
+                    <a:p>
+                      <a:pPr>
+                        <a:defRPr/>
+                      </a:pPr>
+                      <a:r>
+                        <a:rPr lang="en-US" altLang="ko-KR"/>
+                        <a:t>50000</a:t>
+                      </a:r>
+                      <a:endParaRPr lang="en-US" altLang="ko-KR"/>
+                    </a:p>
+                  </a:txBody>
+                  <a:tcPr marL="91440" marR="91440"/>
+                </a:tc>
+              </a:tr>
+              <a:tr h="370840">
+                <a:tc>
+                  <a:txBody>
+                    <a:bodyPr vert="horz" wrap="square" lIns="91440" tIns="45720" rIns="91440" bIns="45720" anchor="t" anchorCtr="0">
+                      <a:spAutoFit/>
+                    </a:bodyPr>
+                    <a:p>
+                      <a:pPr>
+                        <a:defRPr/>
+                      </a:pPr>
+                      <a:r>
+                        <a:rPr lang="en-US" altLang="ko-KR"/>
+                        <a:t>hwang</a:t>
+                      </a:r>
+                      <a:endParaRPr lang="en-US" altLang="ko-KR"/>
+                    </a:p>
+                  </a:txBody>
+                  <a:tcPr marL="91440" marR="91440"/>
+                </a:tc>
+                <a:tc>
+                  <a:txBody>
+                    <a:bodyPr vert="horz" wrap="square" lIns="91440" tIns="45720" rIns="91440" bIns="45720" anchor="t" anchorCtr="0">
+                      <a:spAutoFit/>
+                    </a:bodyPr>
+                    <a:p>
+                      <a:pPr>
+                        <a:defRPr/>
+                      </a:pPr>
+                      <a:r>
+                        <a:rPr lang="ko-KR" altLang="en-US"/>
+                        <a:t>황진우</a:t>
+                      </a:r>
+                      <a:endParaRPr lang="ko-KR" altLang="en-US"/>
+                    </a:p>
+                  </a:txBody>
+                  <a:tcPr marL="91440" marR="91440"/>
+                </a:tc>
+                <a:tc>
+                  <a:txBody>
+                    <a:bodyPr vert="horz" wrap="square" lIns="91440" tIns="45720" rIns="91440" bIns="45720" anchor="t" anchorCtr="0">
+                      <a:spAutoFit/>
+                    </a:bodyPr>
+                    <a:p>
+                      <a:pPr>
+                        <a:defRPr/>
+                      </a:pPr>
+                      <a:r>
+                        <a:rPr lang="en-US" altLang="ko-KR"/>
+                        <a:t>0428</a:t>
+                      </a:r>
+                      <a:endParaRPr lang="en-US" altLang="ko-KR"/>
+                    </a:p>
+                  </a:txBody>
+                  <a:tcPr marL="91440" marR="91440"/>
+                </a:tc>
+                <a:tc>
+                  <a:txBody>
+                    <a:bodyPr vert="horz" wrap="square" lIns="91440" tIns="45720" rIns="91440" bIns="45720" anchor="t" anchorCtr="0">
+                      <a:spAutoFit/>
+                    </a:bodyPr>
+                    <a:p>
+                      <a:pPr>
+                        <a:defRPr/>
+                      </a:pPr>
+                      <a:r>
+                        <a:rPr lang="ko-KR" altLang="en-US"/>
+                        <a:t>경기도 용인</a:t>
+                      </a:r>
+                      <a:endParaRPr lang="ko-KR" altLang="en-US"/>
+                    </a:p>
+                  </a:txBody>
+                  <a:tcPr marL="91440" marR="91440"/>
+                </a:tc>
+                <a:tc>
+                  <a:txBody>
+                    <a:bodyPr vert="horz" wrap="square" lIns="91440" tIns="45720" rIns="91440" bIns="45720" anchor="t" anchorCtr="0">
+                      <a:spAutoFit/>
+                    </a:bodyPr>
+                    <a:p>
+                      <a:pPr>
+                        <a:defRPr/>
+                      </a:pPr>
+                      <a:r>
+                        <a:rPr lang="en-US" altLang="ko-KR"/>
+                        <a:t>silver</a:t>
+                      </a:r>
+                      <a:endParaRPr lang="en-US" altLang="ko-KR"/>
+                    </a:p>
+                  </a:txBody>
+                  <a:tcPr marL="91440" marR="91440"/>
+                </a:tc>
+                <a:tc>
+                  <a:txBody>
+                    <a:bodyPr vert="horz" wrap="square" lIns="91440" tIns="45720" rIns="91440" bIns="45720" anchor="t" anchorCtr="0">
+                      <a:spAutoFit/>
+                    </a:bodyPr>
+                    <a:p>
+                      <a:pPr>
+                        <a:defRPr/>
+                      </a:pPr>
+                      <a:r>
+                        <a:rPr lang="en-US" altLang="ko-KR"/>
+                        <a:t>5000</a:t>
+                      </a:r>
+                      <a:endParaRPr lang="en-US" altLang="ko-KR"/>
+                    </a:p>
+                  </a:txBody>
+                  <a:tcPr marL="91440" marR="91440"/>
+                </a:tc>
+              </a:tr>
+              <a:tr h="370840">
+                <a:tc>
+                  <a:txBody>
+                    <a:bodyPr vert="horz" wrap="square" lIns="91440" tIns="45720" rIns="91440" bIns="45720" anchor="t" anchorCtr="0">
+                      <a:spAutoFit/>
+                    </a:bodyPr>
+                    <a:p>
+                      <a:pPr>
+                        <a:defRPr/>
+                      </a:pPr>
+                      <a:r>
+                        <a:rPr lang="en-US" altLang="ko-KR"/>
+                        <a:t>jaehyun</a:t>
+                      </a:r>
+                      <a:endParaRPr lang="en-US" altLang="ko-KR"/>
+                    </a:p>
+                  </a:txBody>
+                  <a:tcPr marL="91440" marR="91440"/>
+                </a:tc>
+                <a:tc>
+                  <a:txBody>
+                    <a:bodyPr vert="horz" wrap="square" lIns="91440" tIns="45720" rIns="91440" bIns="45720" anchor="t" anchorCtr="0">
+                      <a:spAutoFit/>
+                    </a:bodyPr>
+                    <a:p>
+                      <a:pPr>
+                        <a:defRPr/>
+                      </a:pPr>
+                      <a:r>
+                        <a:rPr lang="ko-KR" altLang="en-US"/>
+                        <a:t>오재현 </a:t>
+                      </a:r>
+                      <a:endParaRPr lang="ko-KR" altLang="en-US"/>
+                    </a:p>
+                  </a:txBody>
+                  <a:tcPr marL="91440" marR="91440"/>
+                </a:tc>
+                <a:tc>
+                  <a:txBody>
+                    <a:bodyPr vert="horz" wrap="square" lIns="91440" tIns="45720" rIns="91440" bIns="45720" anchor="t" anchorCtr="0">
+                      <a:spAutoFit/>
+                    </a:bodyPr>
+                    <a:p>
+                      <a:pPr>
+                        <a:defRPr/>
+                      </a:pPr>
+                      <a:r>
+                        <a:rPr lang="en-US" altLang="ko-KR"/>
+                        <a:t>0000</a:t>
+                      </a:r>
+                      <a:endParaRPr lang="en-US" altLang="ko-KR"/>
+                    </a:p>
+                  </a:txBody>
+                  <a:tcPr marL="91440" marR="91440"/>
+                </a:tc>
+                <a:tc>
+                  <a:txBody>
+                    <a:bodyPr vert="horz" wrap="square" lIns="91440" tIns="45720" rIns="91440" bIns="45720" anchor="t" anchorCtr="0">
+                      <a:spAutoFit/>
+                    </a:bodyPr>
+                    <a:p>
+                      <a:pPr>
+                        <a:defRPr/>
+                      </a:pPr>
+                      <a:r>
+                        <a:rPr lang="ko-KR" altLang="en-US"/>
+                        <a:t>경기도 부천 </a:t>
+                      </a:r>
+                      <a:endParaRPr lang="ko-KR" altLang="en-US"/>
+                    </a:p>
+                  </a:txBody>
+                  <a:tcPr marL="91440" marR="91440"/>
+                </a:tc>
+                <a:tc>
+                  <a:txBody>
+                    <a:bodyPr vert="horz" wrap="square" lIns="91440" tIns="45720" rIns="91440" bIns="45720" anchor="t" anchorCtr="0">
+                      <a:spAutoFit/>
+                    </a:bodyPr>
+                    <a:p>
+                      <a:pPr>
+                        <a:defRPr/>
+                      </a:pPr>
+                      <a:r>
+                        <a:rPr lang="en-US" altLang="ko-KR"/>
+                        <a:t>gold</a:t>
+                      </a:r>
+                      <a:endParaRPr lang="en-US" altLang="ko-KR"/>
+                    </a:p>
+                  </a:txBody>
+                  <a:tcPr marL="91440" marR="91440"/>
+                </a:tc>
+                <a:tc>
+                  <a:txBody>
+                    <a:bodyPr vert="horz" wrap="square" lIns="91440" tIns="45720" rIns="91440" bIns="45720" anchor="t" anchorCtr="0">
+                      <a:spAutoFit/>
+                    </a:bodyPr>
+                    <a:p>
+                      <a:pPr>
+                        <a:defRPr/>
+                      </a:pPr>
+                      <a:r>
+                        <a:rPr lang="en-US" altLang="ko-KR"/>
+                        <a:t>10000</a:t>
+                      </a:r>
+                      <a:endParaRPr lang="en-US" altLang="ko-KR"/>
+                    </a:p>
+                  </a:txBody>
+                  <a:tcPr marL="91440" marR="91440"/>
+                </a:tc>
+              </a:tr>
+            </a:tbl>
+          </a:graphicData>
+        </a:graphic>
+      </p:graphicFrame>
+      <p:graphicFrame>
+        <p:nvGraphicFramePr>
+          <p:cNvPr id="6" name=""/>
+          <p:cNvGraphicFramePr/>
+          <p:nvPr/>
+        </p:nvGraphicFramePr>
+        <p:xfrm>
+          <a:off x="609603" y="3168717"/>
+          <a:ext cx="9253403" cy="1112520"/>
+        </p:xfrm>
+        <a:graphic>
+          <a:graphicData uri="http://schemas.openxmlformats.org/drawingml/2006/table">
+            <a:tbl>
+              <a:tblPr firstRow="1" bandRow="1">
+                <a:tableStyleId>{58739C0C-AB16-40ED-8C5A-176A687DF9E4}</a:tableStyleId>
+              </a:tblPr>
+              <a:tblGrid>
+                <a:gridCol w="1850912"/>
+                <a:gridCol w="1849755"/>
+                <a:gridCol w="1850912"/>
+                <a:gridCol w="1850912"/>
+                <a:gridCol w="1850912"/>
+              </a:tblGrid>
+              <a:tr h="370840">
+                <a:tc>
+                  <a:txBody>
+                    <a:bodyPr vert="horz" wrap="square" lIns="91440" tIns="45720" rIns="91440" bIns="45720" anchor="t" anchorCtr="0">
+                      <a:spAutoFit/>
+                    </a:bodyPr>
+                    <a:p>
+                      <a:pPr algn="ctr">
+                        <a:defRPr/>
+                      </a:pPr>
+                      <a:r>
+                        <a:rPr lang="ko-KR" altLang="en-US" u="sng"/>
+                        <a:t>글번호</a:t>
+                      </a:r>
+                      <a:endParaRPr lang="ko-KR" altLang="en-US" u="sng"/>
+                    </a:p>
+                  </a:txBody>
+                  <a:tcPr marL="91440" marR="91440"/>
+                </a:tc>
+                <a:tc>
+                  <a:txBody>
+                    <a:bodyPr vert="horz" wrap="square" lIns="91440" tIns="45720" rIns="91440" bIns="45720" anchor="t" anchorCtr="0">
+                      <a:spAutoFit/>
+                    </a:bodyPr>
+                    <a:p>
+                      <a:pPr algn="ctr">
+                        <a:defRPr/>
+                      </a:pPr>
+                      <a:r>
+                        <a:rPr lang="ko-KR" altLang="en-US"/>
+                        <a:t>글제목</a:t>
+                      </a:r>
+                      <a:endParaRPr lang="ko-KR" altLang="en-US"/>
+                    </a:p>
+                  </a:txBody>
+                  <a:tcPr marL="91440" marR="91440"/>
+                </a:tc>
+                <a:tc>
+                  <a:txBody>
+                    <a:bodyPr vert="horz" wrap="square" lIns="91440" tIns="45720" rIns="91440" bIns="45720" anchor="t" anchorCtr="0">
+                      <a:spAutoFit/>
+                    </a:bodyPr>
+                    <a:p>
+                      <a:pPr algn="ctr">
+                        <a:defRPr/>
+                      </a:pPr>
+                      <a:r>
+                        <a:rPr lang="ko-KR" altLang="en-US"/>
+                        <a:t>글내용</a:t>
+                      </a:r>
+                      <a:endParaRPr lang="ko-KR" altLang="en-US"/>
+                    </a:p>
+                  </a:txBody>
+                  <a:tcPr marL="91440" marR="91440"/>
+                </a:tc>
+                <a:tc>
+                  <a:txBody>
+                    <a:bodyPr vert="horz" wrap="square" lIns="91440" tIns="45720" rIns="91440" bIns="45720" anchor="t" anchorCtr="0">
+                      <a:spAutoFit/>
+                    </a:bodyPr>
+                    <a:p>
+                      <a:pPr algn="ctr">
+                        <a:defRPr/>
+                      </a:pPr>
+                      <a:r>
+                        <a:rPr lang="ko-KR" altLang="en-US"/>
+                        <a:t>작성일자</a:t>
+                      </a:r>
+                      <a:endParaRPr lang="ko-KR" altLang="en-US"/>
+                    </a:p>
+                  </a:txBody>
+                  <a:tcPr marL="91440" marR="91440"/>
+                </a:tc>
+                <a:tc>
+                  <a:txBody>
+                    <a:bodyPr vert="horz" wrap="square" lIns="91440" tIns="45720" rIns="91440" bIns="45720" anchor="t" anchorCtr="0">
+                      <a:spAutoFit/>
+                    </a:bodyPr>
+                    <a:p>
+                      <a:pPr algn="ctr">
+                        <a:defRPr/>
+                      </a:pPr>
+                      <a:r>
+                        <a:rPr lang="ko-KR" altLang="en-US"/>
+                        <a:t>포인트 적립</a:t>
+                      </a:r>
+                      <a:endParaRPr lang="ko-KR" altLang="en-US"/>
+                    </a:p>
+                  </a:txBody>
+                  <a:tcPr marL="91440" marR="91440"/>
+                </a:tc>
+              </a:tr>
+              <a:tr h="370840">
+                <a:tc>
+                  <a:txBody>
+                    <a:bodyPr vert="horz" wrap="square" lIns="91440" tIns="45720" rIns="91440" bIns="45720" anchor="t" anchorCtr="0">
+                      <a:spAutoFit/>
+                    </a:bodyPr>
+                    <a:p>
+                      <a:pPr>
+                        <a:defRPr/>
+                      </a:pPr>
+                      <a:r>
+                        <a:rPr lang="en-US" altLang="ko-KR"/>
+                        <a:t>001</a:t>
+                      </a:r>
+                      <a:endParaRPr lang="en-US" altLang="ko-KR"/>
+                    </a:p>
+                  </a:txBody>
+                  <a:tcPr marL="91440" marR="91440"/>
+                </a:tc>
+                <a:tc>
+                  <a:txBody>
+                    <a:bodyPr vert="horz" wrap="square" lIns="91440" tIns="45720" rIns="91440" bIns="45720" anchor="t" anchorCtr="0">
+                      <a:spAutoFit/>
+                    </a:bodyPr>
+                    <a:p>
+                      <a:pPr>
+                        <a:defRPr/>
+                      </a:pPr>
+                      <a:r>
+                        <a:rPr lang="ko-KR" altLang="en-US"/>
+                        <a:t>데님 바지</a:t>
+                      </a:r>
+                      <a:endParaRPr lang="ko-KR" altLang="en-US"/>
+                    </a:p>
+                  </a:txBody>
+                  <a:tcPr marL="91440" marR="91440"/>
+                </a:tc>
+                <a:tc>
+                  <a:txBody>
+                    <a:bodyPr vert="horz" wrap="square" lIns="91440" tIns="45720" rIns="91440" bIns="45720" anchor="t" anchorCtr="0">
+                      <a:spAutoFit/>
+                    </a:bodyPr>
+                    <a:p>
+                      <a:pPr>
+                        <a:defRPr/>
+                      </a:pPr>
+                      <a:r>
+                        <a:rPr lang="ko-KR" altLang="en-US"/>
+                        <a:t>너무 좋아요</a:t>
+                      </a:r>
+                      <a:endParaRPr lang="ko-KR" altLang="en-US"/>
+                    </a:p>
+                  </a:txBody>
+                  <a:tcPr marL="91440" marR="91440"/>
+                </a:tc>
+                <a:tc>
+                  <a:txBody>
+                    <a:bodyPr vert="horz" wrap="square" lIns="91440" tIns="45720" rIns="91440" bIns="45720" anchor="t" anchorCtr="0">
+                      <a:spAutoFit/>
+                    </a:bodyPr>
+                    <a:p>
+                      <a:pPr>
+                        <a:defRPr/>
+                      </a:pPr>
+                      <a:r>
+                        <a:rPr lang="en-US" altLang="ko-KR"/>
+                        <a:t>2022-05-22</a:t>
+                      </a:r>
+                      <a:endParaRPr lang="en-US" altLang="ko-KR"/>
+                    </a:p>
+                  </a:txBody>
+                  <a:tcPr marL="91440" marR="91440"/>
+                </a:tc>
+                <a:tc>
+                  <a:txBody>
+                    <a:bodyPr vert="horz" wrap="square" lIns="91440" tIns="45720" rIns="91440" bIns="45720" anchor="t" anchorCtr="0">
+                      <a:spAutoFit/>
+                    </a:bodyPr>
+                    <a:p>
+                      <a:pPr>
+                        <a:defRPr/>
+                      </a:pPr>
+                      <a:r>
+                        <a:rPr lang="en-US" altLang="ko-KR"/>
+                        <a:t>1000</a:t>
+                      </a:r>
+                      <a:endParaRPr lang="en-US" altLang="ko-KR"/>
+                    </a:p>
+                  </a:txBody>
+                  <a:tcPr marL="91440" marR="91440"/>
+                </a:tc>
+              </a:tr>
+              <a:tr h="370840">
+                <a:tc>
+                  <a:txBody>
+                    <a:bodyPr vert="horz" wrap="square" lIns="91440" tIns="45720" rIns="91440" bIns="45720" anchor="t" anchorCtr="0">
+                      <a:spAutoFit/>
+                    </a:bodyPr>
+                    <a:p>
+                      <a:pPr>
+                        <a:defRPr/>
+                      </a:pPr>
+                      <a:r>
+                        <a:rPr lang="en-US" altLang="ko-KR"/>
+                        <a:t>002</a:t>
+                      </a:r>
+                      <a:endParaRPr lang="en-US" altLang="ko-KR"/>
+                    </a:p>
+                  </a:txBody>
+                  <a:tcPr marL="91440" marR="91440"/>
+                </a:tc>
+                <a:tc>
+                  <a:txBody>
+                    <a:bodyPr vert="horz" wrap="square" lIns="91440" tIns="45720" rIns="91440" bIns="45720" anchor="t" anchorCtr="0">
+                      <a:spAutoFit/>
+                    </a:bodyPr>
+                    <a:p>
+                      <a:pPr>
+                        <a:defRPr/>
+                      </a:pPr>
+                      <a:r>
+                        <a:rPr lang="ko-KR" altLang="en-US"/>
+                        <a:t>하얀색 셔츠</a:t>
+                      </a:r>
+                      <a:endParaRPr lang="ko-KR" altLang="en-US"/>
+                    </a:p>
+                  </a:txBody>
+                  <a:tcPr marL="91440" marR="91440"/>
+                </a:tc>
+                <a:tc>
+                  <a:txBody>
+                    <a:bodyPr vert="horz" wrap="square" lIns="91440" tIns="45720" rIns="91440" bIns="45720" anchor="t" anchorCtr="0">
+                      <a:spAutoFit/>
+                    </a:bodyPr>
+                    <a:p>
+                      <a:pPr>
+                        <a:defRPr/>
+                      </a:pPr>
+                      <a:r>
+                        <a:rPr lang="ko-KR" altLang="en-US"/>
+                        <a:t>너무 예뻐요</a:t>
+                      </a:r>
+                      <a:endParaRPr lang="ko-KR" altLang="en-US"/>
+                    </a:p>
+                  </a:txBody>
+                  <a:tcPr marL="91440" marR="91440"/>
+                </a:tc>
+                <a:tc>
+                  <a:txBody>
+                    <a:bodyPr vert="horz" wrap="square" lIns="91440" tIns="45720" rIns="91440" bIns="45720" anchor="t" anchorCtr="0">
+                      <a:spAutoFit/>
+                    </a:bodyPr>
+                    <a:p>
+                      <a:pPr>
+                        <a:defRPr/>
+                      </a:pPr>
+                      <a:r>
+                        <a:rPr lang="en-US" altLang="ko-KR"/>
+                        <a:t>2022-05-26</a:t>
+                      </a:r>
+                      <a:endParaRPr lang="en-US" altLang="ko-KR"/>
+                    </a:p>
+                  </a:txBody>
+                  <a:tcPr marL="91440" marR="91440"/>
+                </a:tc>
+                <a:tc>
+                  <a:txBody>
+                    <a:bodyPr vert="horz" wrap="square" lIns="91440" tIns="45720" rIns="91440" bIns="45720" anchor="t" anchorCtr="0">
+                      <a:spAutoFit/>
+                    </a:bodyPr>
+                    <a:p>
+                      <a:pPr>
+                        <a:defRPr/>
+                      </a:pPr>
+                      <a:r>
+                        <a:rPr lang="en-US" altLang="ko-KR"/>
+                        <a:t>1000</a:t>
+                      </a:r>
+                      <a:endParaRPr lang="en-US" altLang="ko-KR"/>
+                    </a:p>
+                  </a:txBody>
+                  <a:tcPr marL="91440" marR="91440"/>
+                </a:tc>
+              </a:tr>
+            </a:tbl>
+          </a:graphicData>
+        </a:graphic>
+      </p:graphicFrame>
+      <p:graphicFrame>
+        <p:nvGraphicFramePr>
+          <p:cNvPr id="7" name=""/>
+          <p:cNvGraphicFramePr>
+            <a:graphicFrameLocks noGrp="1"/>
+          </p:cNvGraphicFramePr>
+          <p:nvPr/>
+        </p:nvGraphicFramePr>
+        <p:xfrm>
+          <a:off x="609603" y="4597940"/>
+          <a:ext cx="8128000" cy="1112520"/>
+        </p:xfrm>
+        <a:graphic>
+          <a:graphicData uri="http://schemas.openxmlformats.org/drawingml/2006/table">
+            <a:tbl>
+              <a:tblPr firstRow="1" bandRow="1">
+                <a:tableStyleId>{58739C0C-AB16-40ED-8C5A-176A687DF9E4}</a:tableStyleId>
+              </a:tblPr>
+              <a:tblGrid>
+                <a:gridCol w="2032000"/>
+                <a:gridCol w="2032000"/>
+                <a:gridCol w="2032000"/>
+                <a:gridCol w="2032000"/>
+              </a:tblGrid>
+              <a:tr h="370840">
+                <a:tc>
+                  <a:txBody>
+                    <a:bodyPr vert="horz" wrap="square" lIns="91440" tIns="45720" rIns="91440" bIns="45720" anchor="t" anchorCtr="0">
+                      <a:spAutoFit/>
+                    </a:bodyPr>
+                    <a:p>
+                      <a:pPr algn="ctr">
+                        <a:defRPr/>
+                      </a:pPr>
+                      <a:r>
+                        <a:rPr lang="ko-KR" altLang="en-US" u="sng"/>
+                        <a:t>상품번호</a:t>
+                      </a:r>
+                      <a:endParaRPr lang="ko-KR" altLang="en-US" u="sng"/>
+                    </a:p>
+                  </a:txBody>
+                  <a:tcPr marL="91440" marR="91440"/>
+                </a:tc>
+                <a:tc>
+                  <a:txBody>
+                    <a:bodyPr vert="horz" wrap="square" lIns="91440" tIns="45720" rIns="91440" bIns="45720" anchor="t" anchorCtr="0">
+                      <a:spAutoFit/>
+                    </a:bodyPr>
+                    <a:p>
+                      <a:pPr algn="ctr">
+                        <a:defRPr/>
+                      </a:pPr>
+                      <a:r>
+                        <a:rPr lang="ko-KR" altLang="en-US"/>
+                        <a:t>수량</a:t>
+                      </a:r>
+                      <a:endParaRPr lang="ko-KR" altLang="en-US"/>
+                    </a:p>
+                  </a:txBody>
+                  <a:tcPr marL="91440" marR="91440"/>
+                </a:tc>
+                <a:tc>
+                  <a:txBody>
+                    <a:bodyPr vert="horz" wrap="square" lIns="91440" tIns="45720" rIns="91440" bIns="45720" anchor="t" anchorCtr="0">
+                      <a:spAutoFit/>
+                    </a:bodyPr>
+                    <a:p>
+                      <a:pPr algn="ctr">
+                        <a:defRPr/>
+                      </a:pPr>
+                      <a:r>
+                        <a:rPr lang="ko-KR" altLang="en-US"/>
+                        <a:t>상품명</a:t>
+                      </a:r>
+                      <a:endParaRPr lang="ko-KR" altLang="en-US"/>
+                    </a:p>
+                  </a:txBody>
+                  <a:tcPr marL="91440" marR="91440"/>
+                </a:tc>
+                <a:tc>
+                  <a:txBody>
+                    <a:bodyPr vert="horz" wrap="square" lIns="91440" tIns="45720" rIns="91440" bIns="45720" anchor="t" anchorCtr="0">
+                      <a:spAutoFit/>
+                    </a:bodyPr>
+                    <a:p>
+                      <a:pPr algn="ctr">
+                        <a:defRPr/>
+                      </a:pPr>
+                      <a:r>
+                        <a:rPr lang="ko-KR" altLang="en-US"/>
+                        <a:t>금액</a:t>
+                      </a:r>
+                      <a:endParaRPr lang="ko-KR" altLang="en-US"/>
+                    </a:p>
+                  </a:txBody>
+                  <a:tcPr marL="91440" marR="91440"/>
+                </a:tc>
+              </a:tr>
+              <a:tr h="370840">
+                <a:tc>
+                  <a:txBody>
+                    <a:bodyPr vert="horz" wrap="square" lIns="91440" tIns="45720" rIns="91440" bIns="45720" anchor="t" anchorCtr="0">
+                      <a:spAutoFit/>
+                    </a:bodyPr>
+                    <a:p>
+                      <a:pPr>
+                        <a:defRPr/>
+                      </a:pPr>
+                      <a:r>
+                        <a:rPr lang="en-US" altLang="ko-KR"/>
+                        <a:t>165412215</a:t>
+                      </a:r>
+                      <a:endParaRPr lang="en-US" altLang="ko-KR"/>
+                    </a:p>
+                  </a:txBody>
+                  <a:tcPr marL="91440" marR="91440"/>
+                </a:tc>
+                <a:tc>
+                  <a:txBody>
+                    <a:bodyPr vert="horz" wrap="square" lIns="91440" tIns="45720" rIns="91440" bIns="45720" anchor="t" anchorCtr="0">
+                      <a:spAutoFit/>
+                    </a:bodyPr>
+                    <a:p>
+                      <a:pPr>
+                        <a:defRPr/>
+                      </a:pPr>
+                      <a:r>
+                        <a:rPr lang="en-US" altLang="ko-KR"/>
+                        <a:t>1</a:t>
+                      </a:r>
+                      <a:endParaRPr lang="en-US" altLang="ko-KR"/>
+                    </a:p>
+                  </a:txBody>
+                  <a:tcPr marL="91440" marR="91440"/>
+                </a:tc>
+                <a:tc>
+                  <a:txBody>
+                    <a:bodyPr vert="horz" wrap="square" lIns="91440" tIns="45720" rIns="91440" bIns="45720" anchor="t" anchorCtr="0">
+                      <a:spAutoFit/>
+                    </a:bodyPr>
+                    <a:p>
+                      <a:pPr>
+                        <a:defRPr/>
+                      </a:pPr>
+                      <a:r>
+                        <a:rPr lang="ko-KR" altLang="en-US"/>
+                        <a:t>데님 바지</a:t>
+                      </a:r>
+                      <a:endParaRPr lang="ko-KR" altLang="en-US"/>
+                    </a:p>
+                  </a:txBody>
+                  <a:tcPr marL="91440" marR="91440"/>
+                </a:tc>
+                <a:tc>
+                  <a:txBody>
+                    <a:bodyPr vert="horz" wrap="square" lIns="91440" tIns="45720" rIns="91440" bIns="45720" anchor="t" anchorCtr="0">
+                      <a:spAutoFit/>
+                    </a:bodyPr>
+                    <a:p>
+                      <a:pPr>
+                        <a:defRPr/>
+                      </a:pPr>
+                      <a:r>
+                        <a:rPr lang="en-US" altLang="ko-KR"/>
+                        <a:t>32000</a:t>
+                      </a:r>
+                      <a:endParaRPr lang="en-US" altLang="ko-KR"/>
+                    </a:p>
+                  </a:txBody>
+                  <a:tcPr marL="91440" marR="91440"/>
+                </a:tc>
+              </a:tr>
+              <a:tr h="370840">
+                <a:tc>
+                  <a:txBody>
+                    <a:bodyPr vert="horz" wrap="square" lIns="91440" tIns="45720" rIns="91440" bIns="45720" anchor="t" anchorCtr="0">
+                      <a:spAutoFit/>
+                    </a:bodyPr>
+                    <a:p>
+                      <a:pPr>
+                        <a:defRPr/>
+                      </a:pPr>
+                      <a:r>
+                        <a:rPr lang="en-US" altLang="ko-KR"/>
+                        <a:t>51151023</a:t>
+                      </a:r>
+                      <a:endParaRPr lang="en-US" altLang="ko-KR"/>
+                    </a:p>
+                  </a:txBody>
+                  <a:tcPr marL="91440" marR="91440"/>
+                </a:tc>
+                <a:tc>
+                  <a:txBody>
+                    <a:bodyPr vert="horz" wrap="square" lIns="91440" tIns="45720" rIns="91440" bIns="45720" anchor="t" anchorCtr="0">
+                      <a:spAutoFit/>
+                    </a:bodyPr>
+                    <a:p>
+                      <a:pPr>
+                        <a:defRPr/>
+                      </a:pPr>
+                      <a:r>
+                        <a:rPr lang="en-US" altLang="ko-KR"/>
+                        <a:t>1</a:t>
+                      </a:r>
+                      <a:endParaRPr lang="en-US" altLang="ko-KR"/>
+                    </a:p>
+                  </a:txBody>
+                  <a:tcPr marL="91440" marR="91440"/>
+                </a:tc>
+                <a:tc>
+                  <a:txBody>
+                    <a:bodyPr vert="horz" wrap="square" lIns="91440" tIns="45720" rIns="91440" bIns="45720" anchor="t" anchorCtr="0">
+                      <a:spAutoFit/>
+                    </a:bodyPr>
+                    <a:p>
+                      <a:pPr>
+                        <a:defRPr/>
+                      </a:pPr>
+                      <a:r>
+                        <a:rPr lang="ko-KR" altLang="en-US"/>
+                        <a:t>하얀색 셔츠</a:t>
+                      </a:r>
+                      <a:endParaRPr lang="ko-KR" altLang="en-US"/>
+                    </a:p>
+                  </a:txBody>
+                  <a:tcPr marL="91440" marR="91440"/>
+                </a:tc>
+                <a:tc>
+                  <a:txBody>
+                    <a:bodyPr vert="horz" wrap="square" lIns="91440" tIns="45720" rIns="91440" bIns="45720" anchor="t" anchorCtr="0">
+                      <a:spAutoFit/>
+                    </a:bodyPr>
+                    <a:p>
+                      <a:pPr>
+                        <a:defRPr/>
+                      </a:pPr>
+                      <a:r>
+                        <a:rPr lang="en-US" altLang="ko-KR"/>
+                        <a:t>40000</a:t>
+                      </a:r>
+                      <a:endParaRPr lang="en-US" altLang="ko-KR"/>
+                    </a:p>
+                  </a:txBody>
+                  <a:tcPr marL="91440" marR="91440"/>
+                </a:tc>
+              </a:tr>
+            </a:tbl>
+          </a:graphicData>
+        </a:graphic>
+      </p:graphicFrame>
     </p:spTree>
   </p:cSld>
   <p:clrMapOvr>
